--- a/PFCPresentación.pptx
+++ b/PFCPresentación.pptx
@@ -7,18 +7,22 @@
   <p:sldIdLst>
     <p:sldId id="256" r:id="rId2"/>
     <p:sldId id="257" r:id="rId3"/>
-    <p:sldId id="258" r:id="rId4"/>
-    <p:sldId id="259" r:id="rId5"/>
-    <p:sldId id="260" r:id="rId6"/>
-    <p:sldId id="261" r:id="rId7"/>
-    <p:sldId id="262" r:id="rId8"/>
-    <p:sldId id="263" r:id="rId9"/>
-    <p:sldId id="264" r:id="rId10"/>
-    <p:sldId id="265" r:id="rId11"/>
-    <p:sldId id="266" r:id="rId12"/>
-    <p:sldId id="267" r:id="rId13"/>
-    <p:sldId id="268" r:id="rId14"/>
-    <p:sldId id="269" r:id="rId15"/>
+    <p:sldId id="270" r:id="rId4"/>
+    <p:sldId id="258" r:id="rId5"/>
+    <p:sldId id="271" r:id="rId6"/>
+    <p:sldId id="272" r:id="rId7"/>
+    <p:sldId id="273" r:id="rId8"/>
+    <p:sldId id="259" r:id="rId9"/>
+    <p:sldId id="260" r:id="rId10"/>
+    <p:sldId id="261" r:id="rId11"/>
+    <p:sldId id="262" r:id="rId12"/>
+    <p:sldId id="263" r:id="rId13"/>
+    <p:sldId id="264" r:id="rId14"/>
+    <p:sldId id="265" r:id="rId15"/>
+    <p:sldId id="266" r:id="rId16"/>
+    <p:sldId id="267" r:id="rId17"/>
+    <p:sldId id="268" r:id="rId18"/>
+    <p:sldId id="269" r:id="rId19"/>
   </p:sldIdLst>
   <p:sldSz cx="9144000" cy="6858000" type="screen4x3"/>
   <p:notesSz cx="6858000" cy="9144000"/>
@@ -117,6 +121,22 @@
       </a:defRPr>
     </a:lvl9pPr>
   </p:defaultTextStyle>
+  <p:extLst>
+    <p:ext uri="{EFAFB233-063F-42B5-8137-9DF3F51BA10A}">
+      <p15:sldGuideLst xmlns:p15="http://schemas.microsoft.com/office/powerpoint/2012/main">
+        <p15:guide id="1" orient="horz" pos="2160">
+          <p15:clr>
+            <a:srgbClr val="A4A3A4"/>
+          </p15:clr>
+        </p15:guide>
+        <p15:guide id="2" pos="2880">
+          <p15:clr>
+            <a:srgbClr val="A4A3A4"/>
+          </p15:clr>
+        </p15:guide>
+      </p15:sldGuideLst>
+    </p:ext>
+  </p:extLst>
 </p:presentation>
 </file>
 
@@ -301,7 +321,7 @@
           <a:p>
             <a:fld id="{8FDB0E46-0FB8-4A65-82C2-1B31257E8B4E}" type="datetimeFigureOut">
               <a:rPr lang="es-CL" smtClean="0"/>
-              <a:t>05-04-2015</a:t>
+              <a:t>07-04-2015</a:t>
             </a:fld>
             <a:endParaRPr lang="es-CL"/>
           </a:p>
@@ -466,7 +486,7 @@
           <a:p>
             <a:fld id="{8FDB0E46-0FB8-4A65-82C2-1B31257E8B4E}" type="datetimeFigureOut">
               <a:rPr lang="es-CL" smtClean="0"/>
-              <a:t>05-04-2015</a:t>
+              <a:t>07-04-2015</a:t>
             </a:fld>
             <a:endParaRPr lang="es-CL"/>
           </a:p>
@@ -641,7 +661,7 @@
           <a:p>
             <a:fld id="{8FDB0E46-0FB8-4A65-82C2-1B31257E8B4E}" type="datetimeFigureOut">
               <a:rPr lang="es-CL" smtClean="0"/>
-              <a:t>05-04-2015</a:t>
+              <a:t>07-04-2015</a:t>
             </a:fld>
             <a:endParaRPr lang="es-CL"/>
           </a:p>
@@ -806,7 +826,7 @@
           <a:p>
             <a:fld id="{8FDB0E46-0FB8-4A65-82C2-1B31257E8B4E}" type="datetimeFigureOut">
               <a:rPr lang="es-CL" smtClean="0"/>
-              <a:t>05-04-2015</a:t>
+              <a:t>07-04-2015</a:t>
             </a:fld>
             <a:endParaRPr lang="es-CL"/>
           </a:p>
@@ -1047,7 +1067,7 @@
           <a:p>
             <a:fld id="{8FDB0E46-0FB8-4A65-82C2-1B31257E8B4E}" type="datetimeFigureOut">
               <a:rPr lang="es-CL" smtClean="0"/>
-              <a:t>05-04-2015</a:t>
+              <a:t>07-04-2015</a:t>
             </a:fld>
             <a:endParaRPr lang="es-CL"/>
           </a:p>
@@ -1330,7 +1350,7 @@
           <a:p>
             <a:fld id="{8FDB0E46-0FB8-4A65-82C2-1B31257E8B4E}" type="datetimeFigureOut">
               <a:rPr lang="es-CL" smtClean="0"/>
-              <a:t>05-04-2015</a:t>
+              <a:t>07-04-2015</a:t>
             </a:fld>
             <a:endParaRPr lang="es-CL"/>
           </a:p>
@@ -1747,7 +1767,7 @@
           <a:p>
             <a:fld id="{8FDB0E46-0FB8-4A65-82C2-1B31257E8B4E}" type="datetimeFigureOut">
               <a:rPr lang="es-CL" smtClean="0"/>
-              <a:t>05-04-2015</a:t>
+              <a:t>07-04-2015</a:t>
             </a:fld>
             <a:endParaRPr lang="es-CL"/>
           </a:p>
@@ -1860,7 +1880,7 @@
           <a:p>
             <a:fld id="{8FDB0E46-0FB8-4A65-82C2-1B31257E8B4E}" type="datetimeFigureOut">
               <a:rPr lang="es-CL" smtClean="0"/>
-              <a:t>05-04-2015</a:t>
+              <a:t>07-04-2015</a:t>
             </a:fld>
             <a:endParaRPr lang="es-CL"/>
           </a:p>
@@ -1950,7 +1970,7 @@
           <a:p>
             <a:fld id="{8FDB0E46-0FB8-4A65-82C2-1B31257E8B4E}" type="datetimeFigureOut">
               <a:rPr lang="es-CL" smtClean="0"/>
-              <a:t>05-04-2015</a:t>
+              <a:t>07-04-2015</a:t>
             </a:fld>
             <a:endParaRPr lang="es-CL"/>
           </a:p>
@@ -2222,7 +2242,7 @@
           <a:p>
             <a:fld id="{8FDB0E46-0FB8-4A65-82C2-1B31257E8B4E}" type="datetimeFigureOut">
               <a:rPr lang="es-CL" smtClean="0"/>
-              <a:t>05-04-2015</a:t>
+              <a:t>07-04-2015</a:t>
             </a:fld>
             <a:endParaRPr lang="es-CL"/>
           </a:p>
@@ -2470,7 +2490,7 @@
           <a:p>
             <a:fld id="{8FDB0E46-0FB8-4A65-82C2-1B31257E8B4E}" type="datetimeFigureOut">
               <a:rPr lang="es-CL" smtClean="0"/>
-              <a:t>05-04-2015</a:t>
+              <a:t>07-04-2015</a:t>
             </a:fld>
             <a:endParaRPr lang="es-CL"/>
           </a:p>
@@ -2678,7 +2698,7 @@
           <a:p>
             <a:fld id="{8FDB0E46-0FB8-4A65-82C2-1B31257E8B4E}" type="datetimeFigureOut">
               <a:rPr lang="es-CL" smtClean="0"/>
-              <a:t>05-04-2015</a:t>
+              <a:t>07-04-2015</a:t>
             </a:fld>
             <a:endParaRPr lang="es-CL"/>
           </a:p>
@@ -3065,7 +3085,7 @@
           <a:p>
             <a:r>
               <a:rPr lang="es-CL" dirty="0" smtClean="0"/>
-              <a:t>Presentación</a:t>
+              <a:t>Edición e impresión de modelos 3D</a:t>
             </a:r>
             <a:endParaRPr lang="es-CL" dirty="0"/>
           </a:p>
@@ -3086,7 +3106,7 @@
           <a:bodyPr/>
           <a:lstStyle/>
           <a:p>
-            <a:endParaRPr lang="es-CL"/>
+            <a:endParaRPr lang="es-CL" dirty="0"/>
           </a:p>
         </p:txBody>
       </p:sp>
@@ -3095,6 +3115,13 @@
   <p:clrMapOvr>
     <a:masterClrMapping/>
   </p:clrMapOvr>
+  <p:timing>
+    <p:tnLst>
+      <p:par>
+        <p:cTn id="1" dur="indefinite" restart="never" nodeType="tmRoot"/>
+      </p:par>
+    </p:tnLst>
+  </p:timing>
 </p:sld>
 </file>
 
@@ -3131,8 +3158,8 @@
           <a:lstStyle/>
           <a:p>
             <a:r>
-              <a:rPr lang="es-CL" dirty="0" smtClean="0"/>
-              <a:t>Problemas y soluciones</a:t>
+              <a:rPr lang="es-CL" dirty="0" err="1" smtClean="0"/>
+              <a:t>cesium</a:t>
             </a:r>
             <a:endParaRPr lang="es-CL" dirty="0"/>
           </a:p>
@@ -3198,8 +3225,16 @@
           <a:lstStyle/>
           <a:p>
             <a:r>
+              <a:rPr lang="es-CL" dirty="0" err="1" smtClean="0"/>
+              <a:t>Hgt</a:t>
+            </a:r>
+            <a:r>
               <a:rPr lang="es-CL" dirty="0" smtClean="0"/>
-              <a:t>conclusiones</a:t>
+              <a:t> y </a:t>
+            </a:r>
+            <a:r>
+              <a:rPr lang="es-CL" dirty="0" err="1" smtClean="0"/>
+              <a:t>square</a:t>
             </a:r>
             <a:endParaRPr lang="es-CL" dirty="0"/>
           </a:p>
@@ -3266,7 +3301,7 @@
           <a:p>
             <a:r>
               <a:rPr lang="es-CL" dirty="0" smtClean="0"/>
-              <a:t>Líneas futuras</a:t>
+              <a:t>Generador de terreno</a:t>
             </a:r>
             <a:endParaRPr lang="es-CL" dirty="0"/>
           </a:p>
@@ -3332,8 +3367,8 @@
           <a:lstStyle/>
           <a:p>
             <a:r>
-              <a:rPr lang="es-CL" dirty="0" smtClean="0"/>
-              <a:t>agradecimientos</a:t>
+              <a:rPr lang="es-CL" dirty="0" err="1" smtClean="0"/>
+              <a:t>shapwways</a:t>
             </a:r>
             <a:endParaRPr lang="es-CL" dirty="0"/>
           </a:p>
@@ -3399,6 +3434,274 @@
           <a:lstStyle/>
           <a:p>
             <a:r>
+              <a:rPr lang="es-CL" dirty="0" smtClean="0"/>
+              <a:t>Problemas y soluciones</a:t>
+            </a:r>
+            <a:endParaRPr lang="es-CL" dirty="0"/>
+          </a:p>
+        </p:txBody>
+      </p:sp>
+      <p:sp>
+        <p:nvSpPr>
+          <p:cNvPr id="3" name="2 Marcador de contenido"/>
+          <p:cNvSpPr>
+            <a:spLocks noGrp="1"/>
+          </p:cNvSpPr>
+          <p:nvPr>
+            <p:ph idx="1"/>
+          </p:nvPr>
+        </p:nvSpPr>
+        <p:spPr/>
+        <p:txBody>
+          <a:bodyPr/>
+          <a:lstStyle/>
+          <a:p>
+            <a:endParaRPr lang="es-CL"/>
+          </a:p>
+        </p:txBody>
+      </p:sp>
+    </p:spTree>
+  </p:cSld>
+  <p:clrMapOvr>
+    <a:masterClrMapping/>
+  </p:clrMapOvr>
+</p:sld>
+</file>
+
+<file path=ppt/slides/slide15.xml><?xml version="1.0" encoding="utf-8"?>
+<p:sld xmlns:a="http://schemas.openxmlformats.org/drawingml/2006/main" xmlns:r="http://schemas.openxmlformats.org/officeDocument/2006/relationships" xmlns:p="http://schemas.openxmlformats.org/presentationml/2006/main">
+  <p:cSld>
+    <p:spTree>
+      <p:nvGrpSpPr>
+        <p:cNvPr id="1" name=""/>
+        <p:cNvGrpSpPr/>
+        <p:nvPr/>
+      </p:nvGrpSpPr>
+      <p:grpSpPr>
+        <a:xfrm>
+          <a:off x="0" y="0"/>
+          <a:ext cx="0" cy="0"/>
+          <a:chOff x="0" y="0"/>
+          <a:chExt cx="0" cy="0"/>
+        </a:xfrm>
+      </p:grpSpPr>
+      <p:sp>
+        <p:nvSpPr>
+          <p:cNvPr id="2" name="1 Título"/>
+          <p:cNvSpPr>
+            <a:spLocks noGrp="1"/>
+          </p:cNvSpPr>
+          <p:nvPr>
+            <p:ph type="title"/>
+          </p:nvPr>
+        </p:nvSpPr>
+        <p:spPr/>
+        <p:txBody>
+          <a:bodyPr/>
+          <a:lstStyle/>
+          <a:p>
+            <a:r>
+              <a:rPr lang="es-CL" dirty="0" smtClean="0"/>
+              <a:t>conclusiones</a:t>
+            </a:r>
+            <a:endParaRPr lang="es-CL" dirty="0"/>
+          </a:p>
+        </p:txBody>
+      </p:sp>
+      <p:sp>
+        <p:nvSpPr>
+          <p:cNvPr id="3" name="2 Marcador de contenido"/>
+          <p:cNvSpPr>
+            <a:spLocks noGrp="1"/>
+          </p:cNvSpPr>
+          <p:nvPr>
+            <p:ph idx="1"/>
+          </p:nvPr>
+        </p:nvSpPr>
+        <p:spPr/>
+        <p:txBody>
+          <a:bodyPr/>
+          <a:lstStyle/>
+          <a:p>
+            <a:endParaRPr lang="es-CL"/>
+          </a:p>
+        </p:txBody>
+      </p:sp>
+    </p:spTree>
+  </p:cSld>
+  <p:clrMapOvr>
+    <a:masterClrMapping/>
+  </p:clrMapOvr>
+</p:sld>
+</file>
+
+<file path=ppt/slides/slide16.xml><?xml version="1.0" encoding="utf-8"?>
+<p:sld xmlns:a="http://schemas.openxmlformats.org/drawingml/2006/main" xmlns:r="http://schemas.openxmlformats.org/officeDocument/2006/relationships" xmlns:p="http://schemas.openxmlformats.org/presentationml/2006/main">
+  <p:cSld>
+    <p:spTree>
+      <p:nvGrpSpPr>
+        <p:cNvPr id="1" name=""/>
+        <p:cNvGrpSpPr/>
+        <p:nvPr/>
+      </p:nvGrpSpPr>
+      <p:grpSpPr>
+        <a:xfrm>
+          <a:off x="0" y="0"/>
+          <a:ext cx="0" cy="0"/>
+          <a:chOff x="0" y="0"/>
+          <a:chExt cx="0" cy="0"/>
+        </a:xfrm>
+      </p:grpSpPr>
+      <p:sp>
+        <p:nvSpPr>
+          <p:cNvPr id="2" name="1 Título"/>
+          <p:cNvSpPr>
+            <a:spLocks noGrp="1"/>
+          </p:cNvSpPr>
+          <p:nvPr>
+            <p:ph type="title"/>
+          </p:nvPr>
+        </p:nvSpPr>
+        <p:spPr/>
+        <p:txBody>
+          <a:bodyPr/>
+          <a:lstStyle/>
+          <a:p>
+            <a:r>
+              <a:rPr lang="es-CL" dirty="0" smtClean="0"/>
+              <a:t>Líneas futuras</a:t>
+            </a:r>
+            <a:endParaRPr lang="es-CL" dirty="0"/>
+          </a:p>
+        </p:txBody>
+      </p:sp>
+      <p:sp>
+        <p:nvSpPr>
+          <p:cNvPr id="3" name="2 Marcador de contenido"/>
+          <p:cNvSpPr>
+            <a:spLocks noGrp="1"/>
+          </p:cNvSpPr>
+          <p:nvPr>
+            <p:ph idx="1"/>
+          </p:nvPr>
+        </p:nvSpPr>
+        <p:spPr/>
+        <p:txBody>
+          <a:bodyPr/>
+          <a:lstStyle/>
+          <a:p>
+            <a:endParaRPr lang="es-CL"/>
+          </a:p>
+        </p:txBody>
+      </p:sp>
+    </p:spTree>
+  </p:cSld>
+  <p:clrMapOvr>
+    <a:masterClrMapping/>
+  </p:clrMapOvr>
+</p:sld>
+</file>
+
+<file path=ppt/slides/slide17.xml><?xml version="1.0" encoding="utf-8"?>
+<p:sld xmlns:a="http://schemas.openxmlformats.org/drawingml/2006/main" xmlns:r="http://schemas.openxmlformats.org/officeDocument/2006/relationships" xmlns:p="http://schemas.openxmlformats.org/presentationml/2006/main">
+  <p:cSld>
+    <p:spTree>
+      <p:nvGrpSpPr>
+        <p:cNvPr id="1" name=""/>
+        <p:cNvGrpSpPr/>
+        <p:nvPr/>
+      </p:nvGrpSpPr>
+      <p:grpSpPr>
+        <a:xfrm>
+          <a:off x="0" y="0"/>
+          <a:ext cx="0" cy="0"/>
+          <a:chOff x="0" y="0"/>
+          <a:chExt cx="0" cy="0"/>
+        </a:xfrm>
+      </p:grpSpPr>
+      <p:sp>
+        <p:nvSpPr>
+          <p:cNvPr id="2" name="1 Título"/>
+          <p:cNvSpPr>
+            <a:spLocks noGrp="1"/>
+          </p:cNvSpPr>
+          <p:nvPr>
+            <p:ph type="title"/>
+          </p:nvPr>
+        </p:nvSpPr>
+        <p:spPr/>
+        <p:txBody>
+          <a:bodyPr/>
+          <a:lstStyle/>
+          <a:p>
+            <a:r>
+              <a:rPr lang="es-CL" dirty="0" smtClean="0"/>
+              <a:t>agradecimientos</a:t>
+            </a:r>
+            <a:endParaRPr lang="es-CL" dirty="0"/>
+          </a:p>
+        </p:txBody>
+      </p:sp>
+      <p:sp>
+        <p:nvSpPr>
+          <p:cNvPr id="3" name="2 Marcador de contenido"/>
+          <p:cNvSpPr>
+            <a:spLocks noGrp="1"/>
+          </p:cNvSpPr>
+          <p:nvPr>
+            <p:ph idx="1"/>
+          </p:nvPr>
+        </p:nvSpPr>
+        <p:spPr/>
+        <p:txBody>
+          <a:bodyPr/>
+          <a:lstStyle/>
+          <a:p>
+            <a:endParaRPr lang="es-CL"/>
+          </a:p>
+        </p:txBody>
+      </p:sp>
+    </p:spTree>
+  </p:cSld>
+  <p:clrMapOvr>
+    <a:masterClrMapping/>
+  </p:clrMapOvr>
+</p:sld>
+</file>
+
+<file path=ppt/slides/slide18.xml><?xml version="1.0" encoding="utf-8"?>
+<p:sld xmlns:a="http://schemas.openxmlformats.org/drawingml/2006/main" xmlns:r="http://schemas.openxmlformats.org/officeDocument/2006/relationships" xmlns:p="http://schemas.openxmlformats.org/presentationml/2006/main">
+  <p:cSld>
+    <p:spTree>
+      <p:nvGrpSpPr>
+        <p:cNvPr id="1" name=""/>
+        <p:cNvGrpSpPr/>
+        <p:nvPr/>
+      </p:nvGrpSpPr>
+      <p:grpSpPr>
+        <a:xfrm>
+          <a:off x="0" y="0"/>
+          <a:ext cx="0" cy="0"/>
+          <a:chOff x="0" y="0"/>
+          <a:chExt cx="0" cy="0"/>
+        </a:xfrm>
+      </p:grpSpPr>
+      <p:sp>
+        <p:nvSpPr>
+          <p:cNvPr id="2" name="1 Título"/>
+          <p:cNvSpPr>
+            <a:spLocks noGrp="1"/>
+          </p:cNvSpPr>
+          <p:nvPr>
+            <p:ph type="title"/>
+          </p:nvPr>
+        </p:nvSpPr>
+        <p:spPr/>
+        <p:txBody>
+          <a:bodyPr/>
+          <a:lstStyle/>
+          <a:p>
+            <a:r>
               <a:rPr lang="es-CL" smtClean="0"/>
               <a:t>presentacion</a:t>
             </a:r>
@@ -3488,7 +3791,51 @@
           <a:bodyPr/>
           <a:lstStyle/>
           <a:p>
-            <a:endParaRPr lang="es-CL"/>
+            <a:r>
+              <a:rPr lang="es-CL" dirty="0" smtClean="0"/>
+              <a:t>Objeto</a:t>
+            </a:r>
+          </a:p>
+          <a:p>
+            <a:r>
+              <a:rPr lang="es-CL" dirty="0" smtClean="0"/>
+              <a:t>Resumen</a:t>
+            </a:r>
+          </a:p>
+          <a:p>
+            <a:r>
+              <a:rPr lang="es-CL" dirty="0" smtClean="0"/>
+              <a:t>HGT</a:t>
+            </a:r>
+          </a:p>
+          <a:p>
+            <a:r>
+              <a:rPr lang="es-CL" dirty="0" smtClean="0"/>
+              <a:t>App Web</a:t>
+            </a:r>
+          </a:p>
+          <a:p>
+            <a:r>
+              <a:rPr lang="es-CL" dirty="0" smtClean="0"/>
+              <a:t>Problemas y soluciones</a:t>
+            </a:r>
+          </a:p>
+          <a:p>
+            <a:r>
+              <a:rPr lang="es-CL" dirty="0" err="1" smtClean="0"/>
+              <a:t>Lineas</a:t>
+            </a:r>
+            <a:r>
+              <a:rPr lang="es-CL" dirty="0" smtClean="0"/>
+              <a:t> Futuras</a:t>
+            </a:r>
+          </a:p>
+          <a:p>
+            <a:r>
+              <a:rPr lang="es-CL" dirty="0" smtClean="0"/>
+              <a:t>Conclusiones</a:t>
+            </a:r>
+            <a:endParaRPr lang="es-CL" dirty="0"/>
           </a:p>
         </p:txBody>
       </p:sp>
@@ -3497,6 +3844,13 @@
   <p:clrMapOvr>
     <a:masterClrMapping/>
   </p:clrMapOvr>
+  <p:timing>
+    <p:tnLst>
+      <p:par>
+        <p:cTn id="1" dur="indefinite" restart="never" nodeType="tmRoot"/>
+      </p:par>
+    </p:tnLst>
+  </p:timing>
 </p:sld>
 </file>
 
@@ -3519,7 +3873,7 @@
       </p:grpSpPr>
       <p:sp>
         <p:nvSpPr>
-          <p:cNvPr id="2" name="1 Título"/>
+          <p:cNvPr id="2" name="Título 1"/>
           <p:cNvSpPr>
             <a:spLocks noGrp="1"/>
           </p:cNvSpPr>
@@ -3529,22 +3883,20 @@
         </p:nvSpPr>
         <p:spPr/>
         <p:txBody>
-          <a:bodyPr>
-            <a:normAutofit/>
-          </a:bodyPr>
-          <a:lstStyle/>
-          <a:p>
-            <a:r>
-              <a:rPr lang="es-CL" dirty="0" smtClean="0"/>
-              <a:t>Resumen</a:t>
-            </a:r>
-            <a:endParaRPr lang="es-CL" dirty="0"/>
-          </a:p>
-        </p:txBody>
-      </p:sp>
-      <p:sp>
-        <p:nvSpPr>
-          <p:cNvPr id="3" name="2 Marcador de contenido"/>
+          <a:bodyPr/>
+          <a:lstStyle/>
+          <a:p>
+            <a:r>
+              <a:rPr lang="es-ES" dirty="0" smtClean="0"/>
+              <a:t>Objeto</a:t>
+            </a:r>
+            <a:endParaRPr lang="es-ES" dirty="0"/>
+          </a:p>
+        </p:txBody>
+      </p:sp>
+      <p:sp>
+        <p:nvSpPr>
+          <p:cNvPr id="3" name="Marcador de contenido 2"/>
           <p:cNvSpPr>
             <a:spLocks noGrp="1"/>
           </p:cNvSpPr>
@@ -3557,15 +3909,31 @@
           <a:bodyPr/>
           <a:lstStyle/>
           <a:p>
-            <a:endParaRPr lang="es-CL"/>
+            <a:r>
+              <a:rPr lang="es-ES" dirty="0" smtClean="0"/>
+              <a:t>El objeto principal del proyecto es la creación de una aplicación web para la edición de objetos 3D</a:t>
+            </a:r>
+            <a:endParaRPr lang="es-ES" dirty="0"/>
           </a:p>
         </p:txBody>
       </p:sp>
     </p:spTree>
+    <p:extLst>
+      <p:ext uri="{BB962C8B-B14F-4D97-AF65-F5344CB8AC3E}">
+        <p14:creationId xmlns:p14="http://schemas.microsoft.com/office/powerpoint/2010/main" val="169860607"/>
+      </p:ext>
+    </p:extLst>
   </p:cSld>
   <p:clrMapOvr>
     <a:masterClrMapping/>
   </p:clrMapOvr>
+  <p:timing>
+    <p:tnLst>
+      <p:par>
+        <p:cTn id="1" dur="indefinite" restart="never" nodeType="tmRoot"/>
+      </p:par>
+    </p:tnLst>
+  </p:timing>
 </p:sld>
 </file>
 
@@ -3598,49 +3966,108 @@
         </p:nvSpPr>
         <p:spPr/>
         <p:txBody>
-          <a:bodyPr/>
-          <a:lstStyle/>
-          <a:p>
-            <a:r>
-              <a:rPr lang="es-CL" dirty="0" err="1" smtClean="0"/>
-              <a:t>Three</a:t>
-            </a:r>
+          <a:bodyPr>
+            <a:normAutofit/>
+          </a:bodyPr>
+          <a:lstStyle/>
+          <a:p>
             <a:r>
               <a:rPr lang="es-CL" dirty="0" smtClean="0"/>
+              <a:t>Resumen</a:t>
+            </a:r>
+            <a:endParaRPr lang="es-CL" dirty="0"/>
+          </a:p>
+        </p:txBody>
+      </p:sp>
+      <p:sp>
+        <p:nvSpPr>
+          <p:cNvPr id="3" name="2 Marcador de contenido"/>
+          <p:cNvSpPr>
+            <a:spLocks noGrp="1"/>
+          </p:cNvSpPr>
+          <p:nvPr>
+            <p:ph idx="1"/>
+          </p:nvPr>
+        </p:nvSpPr>
+        <p:spPr/>
+        <p:txBody>
+          <a:bodyPr/>
+          <a:lstStyle/>
+          <a:p>
+            <a:r>
+              <a:rPr lang="es-CL" dirty="0" smtClean="0"/>
+              <a:t>Para cumplir el objeto me guie por el artículo </a:t>
+            </a:r>
+            <a:r>
+              <a:rPr lang="es-CL" i="1" dirty="0" smtClean="0"/>
+              <a:t>3D </a:t>
+            </a:r>
+            <a:r>
+              <a:rPr lang="es-CL" i="1" dirty="0" err="1" smtClean="0"/>
+              <a:t>Print</a:t>
+            </a:r>
+            <a:r>
+              <a:rPr lang="es-CL" i="1" dirty="0" smtClean="0"/>
               <a:t> </a:t>
             </a:r>
             <a:r>
-              <a:rPr lang="es-CL" dirty="0" err="1" smtClean="0"/>
-              <a:t>js</a:t>
-            </a:r>
+              <a:rPr lang="es-CL" i="1" dirty="0" err="1" smtClean="0"/>
+              <a:t>your</a:t>
+            </a:r>
+            <a:r>
+              <a:rPr lang="es-CL" i="1" dirty="0" smtClean="0"/>
+              <a:t> </a:t>
+            </a:r>
+            <a:r>
+              <a:rPr lang="es-CL" i="1" dirty="0" err="1" smtClean="0"/>
+              <a:t>trek</a:t>
+            </a:r>
+            <a:r>
+              <a:rPr lang="es-CL" i="1" dirty="0" smtClean="0"/>
+              <a:t>, in color!</a:t>
+            </a:r>
+          </a:p>
+          <a:p>
             <a:endParaRPr lang="es-CL" dirty="0"/>
           </a:p>
         </p:txBody>
       </p:sp>
-      <p:sp>
-        <p:nvSpPr>
-          <p:cNvPr id="3" name="2 Marcador de contenido"/>
-          <p:cNvSpPr>
-            <a:spLocks noGrp="1"/>
-          </p:cNvSpPr>
-          <p:nvPr>
-            <p:ph idx="1"/>
-          </p:nvPr>
-        </p:nvSpPr>
-        <p:spPr/>
-        <p:txBody>
-          <a:bodyPr/>
-          <a:lstStyle/>
-          <a:p>
-            <a:endParaRPr lang="es-CL"/>
-          </a:p>
-        </p:txBody>
-      </p:sp>
+      <p:pic>
+        <p:nvPicPr>
+          <p:cNvPr id="4" name="Imagen 3"/>
+          <p:cNvPicPr>
+            <a:picLocks noChangeAspect="1"/>
+          </p:cNvPicPr>
+          <p:nvPr/>
+        </p:nvPicPr>
+        <p:blipFill>
+          <a:blip r:embed="rId2"/>
+          <a:stretch>
+            <a:fillRect/>
+          </a:stretch>
+        </p:blipFill>
+        <p:spPr>
+          <a:xfrm>
+            <a:off x="3131840" y="2839945"/>
+            <a:ext cx="3775323" cy="3468780"/>
+          </a:xfrm>
+          <a:prstGeom prst="rect">
+            <a:avLst/>
+          </a:prstGeom>
+        </p:spPr>
+      </p:pic>
     </p:spTree>
   </p:cSld>
   <p:clrMapOvr>
     <a:masterClrMapping/>
   </p:clrMapOvr>
+  <p:timing>
+    <p:tnLst>
+      <p:par>
+        <p:cTn id="1" dur="indefinite" restart="never" nodeType="tmRoot"/>
+      </p:par>
+    </p:tnLst>
+  </p:timing>
 </p:sld>
 </file>
 
@@ -3663,7 +4090,7 @@
       </p:grpSpPr>
       <p:sp>
         <p:nvSpPr>
-          <p:cNvPr id="2" name="1 Título"/>
+          <p:cNvPr id="2" name="Título 1"/>
           <p:cNvSpPr>
             <a:spLocks noGrp="1"/>
           </p:cNvSpPr>
@@ -3677,37 +4104,223 @@
           <a:lstStyle/>
           <a:p>
             <a:r>
-              <a:rPr lang="es-CL" dirty="0" err="1" smtClean="0"/>
-              <a:t>mapbox</a:t>
-            </a:r>
-            <a:endParaRPr lang="es-CL" dirty="0"/>
-          </a:p>
-        </p:txBody>
-      </p:sp>
-      <p:sp>
-        <p:nvSpPr>
-          <p:cNvPr id="3" name="2 Marcador de contenido"/>
-          <p:cNvSpPr>
-            <a:spLocks noGrp="1"/>
-          </p:cNvSpPr>
-          <p:nvPr>
-            <p:ph idx="1"/>
-          </p:nvPr>
-        </p:nvSpPr>
-        <p:spPr/>
-        <p:txBody>
-          <a:bodyPr/>
-          <a:lstStyle/>
-          <a:p>
-            <a:endParaRPr lang="es-CL"/>
+              <a:rPr lang="es-ES" dirty="0" smtClean="0"/>
+              <a:t>Resumen</a:t>
+            </a:r>
+            <a:endParaRPr lang="es-ES" dirty="0"/>
+          </a:p>
+        </p:txBody>
+      </p:sp>
+      <p:sp>
+        <p:nvSpPr>
+          <p:cNvPr id="6" name="CuadroTexto 5"/>
+          <p:cNvSpPr txBox="1"/>
+          <p:nvPr/>
+        </p:nvSpPr>
+        <p:spPr>
+          <a:xfrm>
+            <a:off x="2195736" y="1556792"/>
+            <a:ext cx="2952328" cy="4819674"/>
+          </a:xfrm>
+          <a:prstGeom prst="rect">
+            <a:avLst/>
+          </a:prstGeom>
+          <a:noFill/>
+        </p:spPr>
+        <p:txBody>
+          <a:bodyPr wrap="square" rtlCol="0">
+            <a:spAutoFit/>
+          </a:bodyPr>
+          <a:lstStyle/>
+          <a:p>
+            <a:endParaRPr lang="es-ES" dirty="0"/>
+          </a:p>
+        </p:txBody>
+      </p:sp>
+      <p:sp>
+        <p:nvSpPr>
+          <p:cNvPr id="7" name="CuadroTexto 6"/>
+          <p:cNvSpPr txBox="1"/>
+          <p:nvPr/>
+        </p:nvSpPr>
+        <p:spPr>
+          <a:xfrm>
+            <a:off x="467544" y="1417638"/>
+            <a:ext cx="3096344" cy="3693319"/>
+          </a:xfrm>
+          <a:prstGeom prst="rect">
+            <a:avLst/>
+          </a:prstGeom>
+          <a:noFill/>
+        </p:spPr>
+        <p:txBody>
+          <a:bodyPr wrap="square" rtlCol="0">
+            <a:spAutoFit/>
+          </a:bodyPr>
+          <a:lstStyle/>
+          <a:p>
+            <a:r>
+              <a:rPr lang="es-ES" dirty="0" smtClean="0"/>
+              <a:t>Artículo</a:t>
+            </a:r>
+          </a:p>
+          <a:p>
+            <a:pPr marL="285750" indent="-285750">
+              <a:buFont typeface="Arial" panose="020B0604020202020204" pitchFamily="34" charset="0"/>
+              <a:buChar char="•"/>
+            </a:pPr>
+            <a:r>
+              <a:rPr lang="es-ES" dirty="0" smtClean="0"/>
+              <a:t>Descargar elevaciones</a:t>
+            </a:r>
+          </a:p>
+          <a:p>
+            <a:pPr marL="285750" indent="-285750">
+              <a:buFont typeface="Arial" panose="020B0604020202020204" pitchFamily="34" charset="0"/>
+              <a:buChar char="•"/>
+            </a:pPr>
+            <a:r>
+              <a:rPr lang="es-ES" dirty="0" smtClean="0"/>
+              <a:t>Unir regiones con 3DEM</a:t>
+            </a:r>
+          </a:p>
+          <a:p>
+            <a:pPr marL="285750" indent="-285750">
+              <a:buFont typeface="Arial" panose="020B0604020202020204" pitchFamily="34" charset="0"/>
+              <a:buChar char="•"/>
+            </a:pPr>
+            <a:r>
+              <a:rPr lang="es-ES" dirty="0" smtClean="0"/>
+              <a:t>Seleccionar región y guardar en formato </a:t>
+            </a:r>
+            <a:r>
+              <a:rPr lang="es-ES" i="1" dirty="0" err="1" smtClean="0"/>
+              <a:t>dem</a:t>
+            </a:r>
+            <a:endParaRPr lang="es-ES" dirty="0" smtClean="0"/>
+          </a:p>
+          <a:p>
+            <a:pPr marL="285750" indent="-285750">
+              <a:buFont typeface="Arial" panose="020B0604020202020204" pitchFamily="34" charset="0"/>
+              <a:buChar char="•"/>
+            </a:pPr>
+            <a:r>
+              <a:rPr lang="es-ES" i="1" dirty="0" err="1"/>
+              <a:t>d</a:t>
+            </a:r>
+            <a:r>
+              <a:rPr lang="es-ES" i="1" dirty="0" err="1" smtClean="0"/>
+              <a:t>em</a:t>
+            </a:r>
+            <a:r>
+              <a:rPr lang="es-ES" i="1" dirty="0" smtClean="0"/>
+              <a:t> -&gt; x3d</a:t>
+            </a:r>
+          </a:p>
+          <a:p>
+            <a:pPr marL="285750" indent="-285750">
+              <a:buFont typeface="Arial" panose="020B0604020202020204" pitchFamily="34" charset="0"/>
+              <a:buChar char="•"/>
+            </a:pPr>
+            <a:r>
+              <a:rPr lang="es-ES" dirty="0" smtClean="0"/>
+              <a:t>Crear objeto en </a:t>
+            </a:r>
+            <a:r>
+              <a:rPr lang="es-ES" dirty="0" err="1" smtClean="0"/>
+              <a:t>Blender</a:t>
+            </a:r>
+            <a:endParaRPr lang="es-ES" dirty="0" smtClean="0"/>
+          </a:p>
+          <a:p>
+            <a:pPr marL="285750" indent="-285750">
+              <a:buFont typeface="Arial" panose="020B0604020202020204" pitchFamily="34" charset="0"/>
+              <a:buChar char="•"/>
+            </a:pPr>
+            <a:r>
+              <a:rPr lang="es-ES" dirty="0" err="1" smtClean="0"/>
+              <a:t>Gps</a:t>
+            </a:r>
+            <a:r>
+              <a:rPr lang="es-ES" dirty="0" smtClean="0"/>
+              <a:t> -&gt; </a:t>
+            </a:r>
+            <a:r>
+              <a:rPr lang="es-ES" i="1" dirty="0" err="1" smtClean="0"/>
+              <a:t>kml</a:t>
+            </a:r>
+            <a:endParaRPr lang="es-ES" dirty="0" smtClean="0"/>
+          </a:p>
+          <a:p>
+            <a:pPr marL="285750" indent="-285750">
+              <a:buFont typeface="Arial" panose="020B0604020202020204" pitchFamily="34" charset="0"/>
+              <a:buChar char="•"/>
+            </a:pPr>
+            <a:r>
+              <a:rPr lang="es-ES" dirty="0" smtClean="0"/>
+              <a:t>Generar textura con Google </a:t>
+            </a:r>
+            <a:r>
+              <a:rPr lang="es-ES" dirty="0" err="1" smtClean="0"/>
+              <a:t>Earth</a:t>
+            </a:r>
+            <a:endParaRPr lang="es-ES" dirty="0" smtClean="0"/>
+          </a:p>
+          <a:p>
+            <a:pPr marL="285750" indent="-285750">
+              <a:buFont typeface="Arial" panose="020B0604020202020204" pitchFamily="34" charset="0"/>
+              <a:buChar char="•"/>
+            </a:pPr>
+            <a:r>
+              <a:rPr lang="es-ES" dirty="0" smtClean="0"/>
+              <a:t>Añadir textura al objeto</a:t>
+            </a:r>
+          </a:p>
+          <a:p>
+            <a:pPr marL="285750" indent="-285750">
+              <a:buFont typeface="Arial" panose="020B0604020202020204" pitchFamily="34" charset="0"/>
+              <a:buChar char="•"/>
+            </a:pPr>
+            <a:r>
+              <a:rPr lang="es-ES" dirty="0" smtClean="0"/>
+              <a:t>Añadir grosor con </a:t>
+            </a:r>
+            <a:r>
+              <a:rPr lang="es-ES" dirty="0" err="1" smtClean="0"/>
+              <a:t>Blender</a:t>
+            </a:r>
+            <a:endParaRPr lang="es-ES" dirty="0" smtClean="0"/>
+          </a:p>
+          <a:p>
+            <a:pPr marL="285750" indent="-285750">
+              <a:buFont typeface="Arial" panose="020B0604020202020204" pitchFamily="34" charset="0"/>
+              <a:buChar char="•"/>
+            </a:pPr>
+            <a:r>
+              <a:rPr lang="es-ES" dirty="0" smtClean="0"/>
+              <a:t>Imprimir modelo</a:t>
+            </a:r>
+            <a:endParaRPr lang="es-ES" dirty="0"/>
           </a:p>
         </p:txBody>
       </p:sp>
     </p:spTree>
+    <p:extLst>
+      <p:ext uri="{BB962C8B-B14F-4D97-AF65-F5344CB8AC3E}">
+        <p14:creationId xmlns:p14="http://schemas.microsoft.com/office/powerpoint/2010/main" val="3892783483"/>
+      </p:ext>
+    </p:extLst>
   </p:cSld>
   <p:clrMapOvr>
     <a:masterClrMapping/>
   </p:clrMapOvr>
+  <p:timing>
+    <p:tnLst>
+      <p:par>
+        <p:cTn id="1" dur="indefinite" restart="never" nodeType="tmRoot"/>
+      </p:par>
+    </p:tnLst>
+  </p:timing>
 </p:sld>
 </file>
 
@@ -3730,7 +4343,7 @@
       </p:grpSpPr>
       <p:sp>
         <p:nvSpPr>
-          <p:cNvPr id="2" name="1 Título"/>
+          <p:cNvPr id="2" name="Título 1"/>
           <p:cNvSpPr>
             <a:spLocks noGrp="1"/>
           </p:cNvSpPr>
@@ -3744,37 +4357,335 @@
           <a:lstStyle/>
           <a:p>
             <a:r>
-              <a:rPr lang="es-CL" dirty="0" err="1" smtClean="0"/>
-              <a:t>cesium</a:t>
-            </a:r>
-            <a:endParaRPr lang="es-CL" dirty="0"/>
-          </a:p>
-        </p:txBody>
-      </p:sp>
-      <p:sp>
-        <p:nvSpPr>
-          <p:cNvPr id="3" name="2 Marcador de contenido"/>
-          <p:cNvSpPr>
-            <a:spLocks noGrp="1"/>
-          </p:cNvSpPr>
-          <p:nvPr>
-            <p:ph idx="1"/>
-          </p:nvPr>
-        </p:nvSpPr>
-        <p:spPr/>
-        <p:txBody>
-          <a:bodyPr/>
-          <a:lstStyle/>
-          <a:p>
-            <a:endParaRPr lang="es-CL"/>
+              <a:rPr lang="es-ES" dirty="0" smtClean="0"/>
+              <a:t>Resumen</a:t>
+            </a:r>
+            <a:endParaRPr lang="es-ES" dirty="0"/>
+          </a:p>
+        </p:txBody>
+      </p:sp>
+      <p:sp>
+        <p:nvSpPr>
+          <p:cNvPr id="7" name="CuadroTexto 6"/>
+          <p:cNvSpPr txBox="1"/>
+          <p:nvPr/>
+        </p:nvSpPr>
+        <p:spPr>
+          <a:xfrm>
+            <a:off x="467544" y="1417638"/>
+            <a:ext cx="3096344" cy="3693319"/>
+          </a:xfrm>
+          <a:prstGeom prst="rect">
+            <a:avLst/>
+          </a:prstGeom>
+          <a:noFill/>
+        </p:spPr>
+        <p:txBody>
+          <a:bodyPr wrap="square" rtlCol="0">
+            <a:spAutoFit/>
+          </a:bodyPr>
+          <a:lstStyle/>
+          <a:p>
+            <a:r>
+              <a:rPr lang="es-ES" dirty="0" smtClean="0">
+                <a:solidFill>
+                  <a:prstClr val="black"/>
+                </a:solidFill>
+              </a:rPr>
+              <a:t>Artículo</a:t>
+            </a:r>
+          </a:p>
+          <a:p>
+            <a:pPr marL="285750" indent="-285750">
+              <a:buFont typeface="Arial" panose="020B0604020202020204" pitchFamily="34" charset="0"/>
+              <a:buChar char="•"/>
+            </a:pPr>
+            <a:r>
+              <a:rPr lang="es-ES" dirty="0" smtClean="0">
+                <a:solidFill>
+                  <a:prstClr val="black"/>
+                </a:solidFill>
+              </a:rPr>
+              <a:t>Descargar elevaciones</a:t>
+            </a:r>
+          </a:p>
+          <a:p>
+            <a:pPr marL="285750" indent="-285750">
+              <a:buFont typeface="Arial" panose="020B0604020202020204" pitchFamily="34" charset="0"/>
+              <a:buChar char="•"/>
+            </a:pPr>
+            <a:r>
+              <a:rPr lang="es-ES" dirty="0" smtClean="0">
+                <a:solidFill>
+                  <a:prstClr val="black"/>
+                </a:solidFill>
+              </a:rPr>
+              <a:t>Unir regiones con 3DEM</a:t>
+            </a:r>
+          </a:p>
+          <a:p>
+            <a:pPr marL="285750" indent="-285750">
+              <a:buFont typeface="Arial" panose="020B0604020202020204" pitchFamily="34" charset="0"/>
+              <a:buChar char="•"/>
+            </a:pPr>
+            <a:r>
+              <a:rPr lang="es-ES" dirty="0" smtClean="0">
+                <a:solidFill>
+                  <a:prstClr val="black"/>
+                </a:solidFill>
+              </a:rPr>
+              <a:t>Seleccionar región y guardar en formato </a:t>
+            </a:r>
+            <a:r>
+              <a:rPr lang="es-ES" i="1" dirty="0" err="1" smtClean="0">
+                <a:solidFill>
+                  <a:prstClr val="black"/>
+                </a:solidFill>
+              </a:rPr>
+              <a:t>dem</a:t>
+            </a:r>
+            <a:endParaRPr lang="es-ES" dirty="0" smtClean="0">
+              <a:solidFill>
+                <a:prstClr val="black"/>
+              </a:solidFill>
+            </a:endParaRPr>
+          </a:p>
+          <a:p>
+            <a:pPr marL="285750" indent="-285750">
+              <a:buFont typeface="Arial" panose="020B0604020202020204" pitchFamily="34" charset="0"/>
+              <a:buChar char="•"/>
+            </a:pPr>
+            <a:r>
+              <a:rPr lang="es-ES" i="1" dirty="0" err="1">
+                <a:solidFill>
+                  <a:prstClr val="black"/>
+                </a:solidFill>
+              </a:rPr>
+              <a:t>d</a:t>
+            </a:r>
+            <a:r>
+              <a:rPr lang="es-ES" i="1" dirty="0" err="1" smtClean="0">
+                <a:solidFill>
+                  <a:prstClr val="black"/>
+                </a:solidFill>
+              </a:rPr>
+              <a:t>em</a:t>
+            </a:r>
+            <a:r>
+              <a:rPr lang="es-ES" i="1" dirty="0" smtClean="0">
+                <a:solidFill>
+                  <a:prstClr val="black"/>
+                </a:solidFill>
+              </a:rPr>
+              <a:t> -&gt; x3d</a:t>
+            </a:r>
+          </a:p>
+          <a:p>
+            <a:pPr marL="285750" indent="-285750">
+              <a:buFont typeface="Arial" panose="020B0604020202020204" pitchFamily="34" charset="0"/>
+              <a:buChar char="•"/>
+            </a:pPr>
+            <a:r>
+              <a:rPr lang="es-ES" dirty="0" smtClean="0">
+                <a:solidFill>
+                  <a:prstClr val="black"/>
+                </a:solidFill>
+              </a:rPr>
+              <a:t>Crear objeto en </a:t>
+            </a:r>
+            <a:r>
+              <a:rPr lang="es-ES" dirty="0" err="1" smtClean="0">
+                <a:solidFill>
+                  <a:prstClr val="black"/>
+                </a:solidFill>
+              </a:rPr>
+              <a:t>Blender</a:t>
+            </a:r>
+            <a:endParaRPr lang="es-ES" dirty="0" smtClean="0">
+              <a:solidFill>
+                <a:prstClr val="black"/>
+              </a:solidFill>
+            </a:endParaRPr>
+          </a:p>
+          <a:p>
+            <a:pPr marL="285750" indent="-285750">
+              <a:buFont typeface="Arial" panose="020B0604020202020204" pitchFamily="34" charset="0"/>
+              <a:buChar char="•"/>
+            </a:pPr>
+            <a:r>
+              <a:rPr lang="es-ES" dirty="0" err="1" smtClean="0">
+                <a:solidFill>
+                  <a:prstClr val="black"/>
+                </a:solidFill>
+              </a:rPr>
+              <a:t>Gps</a:t>
+            </a:r>
+            <a:r>
+              <a:rPr lang="es-ES" dirty="0" smtClean="0">
+                <a:solidFill>
+                  <a:prstClr val="black"/>
+                </a:solidFill>
+              </a:rPr>
+              <a:t> -&gt; </a:t>
+            </a:r>
+            <a:r>
+              <a:rPr lang="es-ES" i="1" dirty="0" err="1" smtClean="0">
+                <a:solidFill>
+                  <a:prstClr val="black"/>
+                </a:solidFill>
+              </a:rPr>
+              <a:t>kml</a:t>
+            </a:r>
+            <a:endParaRPr lang="es-ES" dirty="0" smtClean="0">
+              <a:solidFill>
+                <a:prstClr val="black"/>
+              </a:solidFill>
+            </a:endParaRPr>
+          </a:p>
+          <a:p>
+            <a:pPr marL="285750" indent="-285750">
+              <a:buFont typeface="Arial" panose="020B0604020202020204" pitchFamily="34" charset="0"/>
+              <a:buChar char="•"/>
+            </a:pPr>
+            <a:r>
+              <a:rPr lang="es-ES" dirty="0" smtClean="0">
+                <a:solidFill>
+                  <a:prstClr val="black"/>
+                </a:solidFill>
+              </a:rPr>
+              <a:t>Generar textura con Google </a:t>
+            </a:r>
+            <a:r>
+              <a:rPr lang="es-ES" dirty="0" err="1" smtClean="0">
+                <a:solidFill>
+                  <a:prstClr val="black"/>
+                </a:solidFill>
+              </a:rPr>
+              <a:t>Earth</a:t>
+            </a:r>
+            <a:endParaRPr lang="es-ES" dirty="0" smtClean="0">
+              <a:solidFill>
+                <a:prstClr val="black"/>
+              </a:solidFill>
+            </a:endParaRPr>
+          </a:p>
+          <a:p>
+            <a:pPr marL="285750" indent="-285750">
+              <a:buFont typeface="Arial" panose="020B0604020202020204" pitchFamily="34" charset="0"/>
+              <a:buChar char="•"/>
+            </a:pPr>
+            <a:r>
+              <a:rPr lang="es-ES" dirty="0" smtClean="0">
+                <a:solidFill>
+                  <a:prstClr val="black"/>
+                </a:solidFill>
+              </a:rPr>
+              <a:t>Añadir textura al objeto</a:t>
+            </a:r>
+          </a:p>
+          <a:p>
+            <a:pPr marL="285750" indent="-285750">
+              <a:buFont typeface="Arial" panose="020B0604020202020204" pitchFamily="34" charset="0"/>
+              <a:buChar char="•"/>
+            </a:pPr>
+            <a:r>
+              <a:rPr lang="es-ES" dirty="0" smtClean="0">
+                <a:solidFill>
+                  <a:prstClr val="black"/>
+                </a:solidFill>
+              </a:rPr>
+              <a:t>Añadir grosor con </a:t>
+            </a:r>
+            <a:r>
+              <a:rPr lang="es-ES" dirty="0" err="1" smtClean="0">
+                <a:solidFill>
+                  <a:prstClr val="black"/>
+                </a:solidFill>
+              </a:rPr>
+              <a:t>Blender</a:t>
+            </a:r>
+            <a:endParaRPr lang="es-ES" dirty="0" smtClean="0">
+              <a:solidFill>
+                <a:prstClr val="black"/>
+              </a:solidFill>
+            </a:endParaRPr>
+          </a:p>
+          <a:p>
+            <a:pPr marL="285750" indent="-285750">
+              <a:buFont typeface="Arial" panose="020B0604020202020204" pitchFamily="34" charset="0"/>
+              <a:buChar char="•"/>
+            </a:pPr>
+            <a:r>
+              <a:rPr lang="es-ES" dirty="0" smtClean="0">
+                <a:solidFill>
+                  <a:prstClr val="black"/>
+                </a:solidFill>
+              </a:rPr>
+              <a:t>Imprimir modelo</a:t>
+            </a:r>
+            <a:endParaRPr lang="es-ES" dirty="0">
+              <a:solidFill>
+                <a:prstClr val="black"/>
+              </a:solidFill>
+            </a:endParaRPr>
+          </a:p>
+        </p:txBody>
+      </p:sp>
+      <p:sp>
+        <p:nvSpPr>
+          <p:cNvPr id="3" name="Flecha derecha 2"/>
+          <p:cNvSpPr/>
+          <p:nvPr/>
+        </p:nvSpPr>
+        <p:spPr>
+          <a:xfrm>
+            <a:off x="3995936" y="2924944"/>
+            <a:ext cx="648072" cy="360040"/>
+          </a:xfrm>
+          <a:prstGeom prst="rightArrow">
+            <a:avLst/>
+          </a:prstGeom>
+        </p:spPr>
+        <p:style>
+          <a:lnRef idx="1">
+            <a:schemeClr val="accent6"/>
+          </a:lnRef>
+          <a:fillRef idx="2">
+            <a:schemeClr val="accent6"/>
+          </a:fillRef>
+          <a:effectRef idx="1">
+            <a:schemeClr val="accent6"/>
+          </a:effectRef>
+          <a:fontRef idx="minor">
+            <a:schemeClr val="dk1"/>
+          </a:fontRef>
+        </p:style>
+        <p:txBody>
+          <a:bodyPr rtlCol="0" anchor="ctr"/>
+          <a:lstStyle/>
+          <a:p>
+            <a:pPr algn="ctr"/>
+            <a:endParaRPr lang="es-ES"/>
           </a:p>
         </p:txBody>
       </p:sp>
     </p:spTree>
+    <p:extLst>
+      <p:ext uri="{BB962C8B-B14F-4D97-AF65-F5344CB8AC3E}">
+        <p14:creationId xmlns:p14="http://schemas.microsoft.com/office/powerpoint/2010/main" val="3370664929"/>
+      </p:ext>
+    </p:extLst>
   </p:cSld>
   <p:clrMapOvr>
     <a:masterClrMapping/>
   </p:clrMapOvr>
+  <p:timing>
+    <p:tnLst>
+      <p:par>
+        <p:cTn id="1" dur="indefinite" restart="never" nodeType="tmRoot"/>
+      </p:par>
+    </p:tnLst>
+  </p:timing>
 </p:sld>
 </file>
 
@@ -3797,7 +4708,7 @@
       </p:grpSpPr>
       <p:sp>
         <p:nvSpPr>
-          <p:cNvPr id="2" name="1 Título"/>
+          <p:cNvPr id="2" name="Título 1"/>
           <p:cNvSpPr>
             <a:spLocks noGrp="1"/>
           </p:cNvSpPr>
@@ -3811,45 +4722,460 @@
           <a:lstStyle/>
           <a:p>
             <a:r>
-              <a:rPr lang="es-CL" dirty="0" err="1" smtClean="0"/>
-              <a:t>Hgt</a:t>
-            </a:r>
-            <a:r>
-              <a:rPr lang="es-CL" dirty="0" smtClean="0"/>
-              <a:t> y </a:t>
-            </a:r>
-            <a:r>
-              <a:rPr lang="es-CL" dirty="0" err="1" smtClean="0"/>
-              <a:t>square</a:t>
-            </a:r>
-            <a:endParaRPr lang="es-CL" dirty="0"/>
-          </a:p>
-        </p:txBody>
-      </p:sp>
-      <p:sp>
-        <p:nvSpPr>
-          <p:cNvPr id="3" name="2 Marcador de contenido"/>
-          <p:cNvSpPr>
-            <a:spLocks noGrp="1"/>
-          </p:cNvSpPr>
-          <p:nvPr>
-            <p:ph idx="1"/>
-          </p:nvPr>
-        </p:nvSpPr>
-        <p:spPr/>
-        <p:txBody>
-          <a:bodyPr/>
-          <a:lstStyle/>
-          <a:p>
-            <a:endParaRPr lang="es-CL"/>
+              <a:rPr lang="es-ES" dirty="0" smtClean="0"/>
+              <a:t>Resumen</a:t>
+            </a:r>
+            <a:endParaRPr lang="es-ES" dirty="0"/>
+          </a:p>
+        </p:txBody>
+      </p:sp>
+      <p:sp>
+        <p:nvSpPr>
+          <p:cNvPr id="6" name="CuadroTexto 5"/>
+          <p:cNvSpPr txBox="1"/>
+          <p:nvPr/>
+        </p:nvSpPr>
+        <p:spPr>
+          <a:xfrm>
+            <a:off x="2195736" y="1556792"/>
+            <a:ext cx="2952328" cy="4819674"/>
+          </a:xfrm>
+          <a:prstGeom prst="rect">
+            <a:avLst/>
+          </a:prstGeom>
+          <a:noFill/>
+        </p:spPr>
+        <p:txBody>
+          <a:bodyPr wrap="square" rtlCol="0">
+            <a:spAutoFit/>
+          </a:bodyPr>
+          <a:lstStyle/>
+          <a:p>
+            <a:endParaRPr lang="es-ES" dirty="0">
+              <a:solidFill>
+                <a:prstClr val="black"/>
+              </a:solidFill>
+            </a:endParaRPr>
+          </a:p>
+        </p:txBody>
+      </p:sp>
+      <p:sp>
+        <p:nvSpPr>
+          <p:cNvPr id="7" name="CuadroTexto 6"/>
+          <p:cNvSpPr txBox="1"/>
+          <p:nvPr/>
+        </p:nvSpPr>
+        <p:spPr>
+          <a:xfrm>
+            <a:off x="467544" y="1417638"/>
+            <a:ext cx="3096344" cy="3693319"/>
+          </a:xfrm>
+          <a:prstGeom prst="rect">
+            <a:avLst/>
+          </a:prstGeom>
+          <a:noFill/>
+        </p:spPr>
+        <p:txBody>
+          <a:bodyPr wrap="square" rtlCol="0">
+            <a:spAutoFit/>
+          </a:bodyPr>
+          <a:lstStyle/>
+          <a:p>
+            <a:r>
+              <a:rPr lang="es-ES" dirty="0" smtClean="0">
+                <a:solidFill>
+                  <a:prstClr val="black"/>
+                </a:solidFill>
+              </a:rPr>
+              <a:t>Artículo</a:t>
+            </a:r>
+          </a:p>
+          <a:p>
+            <a:pPr marL="285750" indent="-285750">
+              <a:buFont typeface="Arial" panose="020B0604020202020204" pitchFamily="34" charset="0"/>
+              <a:buChar char="•"/>
+            </a:pPr>
+            <a:r>
+              <a:rPr lang="es-ES" dirty="0" smtClean="0">
+                <a:solidFill>
+                  <a:prstClr val="black"/>
+                </a:solidFill>
+              </a:rPr>
+              <a:t>Descargar elevaciones</a:t>
+            </a:r>
+          </a:p>
+          <a:p>
+            <a:pPr marL="285750" indent="-285750">
+              <a:buFont typeface="Arial" panose="020B0604020202020204" pitchFamily="34" charset="0"/>
+              <a:buChar char="•"/>
+            </a:pPr>
+            <a:r>
+              <a:rPr lang="es-ES" dirty="0" smtClean="0">
+                <a:solidFill>
+                  <a:prstClr val="black"/>
+                </a:solidFill>
+              </a:rPr>
+              <a:t>Unir regiones con 3DEM</a:t>
+            </a:r>
+          </a:p>
+          <a:p>
+            <a:pPr marL="285750" indent="-285750">
+              <a:buFont typeface="Arial" panose="020B0604020202020204" pitchFamily="34" charset="0"/>
+              <a:buChar char="•"/>
+            </a:pPr>
+            <a:r>
+              <a:rPr lang="es-ES" dirty="0" smtClean="0">
+                <a:solidFill>
+                  <a:prstClr val="black"/>
+                </a:solidFill>
+              </a:rPr>
+              <a:t>Seleccionar región y guardar en formato </a:t>
+            </a:r>
+            <a:r>
+              <a:rPr lang="es-ES" i="1" dirty="0" err="1" smtClean="0">
+                <a:solidFill>
+                  <a:prstClr val="black"/>
+                </a:solidFill>
+              </a:rPr>
+              <a:t>dem</a:t>
+            </a:r>
+            <a:endParaRPr lang="es-ES" dirty="0" smtClean="0">
+              <a:solidFill>
+                <a:prstClr val="black"/>
+              </a:solidFill>
+            </a:endParaRPr>
+          </a:p>
+          <a:p>
+            <a:pPr marL="285750" indent="-285750">
+              <a:buFont typeface="Arial" panose="020B0604020202020204" pitchFamily="34" charset="0"/>
+              <a:buChar char="•"/>
+            </a:pPr>
+            <a:r>
+              <a:rPr lang="es-ES" i="1" dirty="0" err="1">
+                <a:solidFill>
+                  <a:prstClr val="black"/>
+                </a:solidFill>
+              </a:rPr>
+              <a:t>d</a:t>
+            </a:r>
+            <a:r>
+              <a:rPr lang="es-ES" i="1" dirty="0" err="1" smtClean="0">
+                <a:solidFill>
+                  <a:prstClr val="black"/>
+                </a:solidFill>
+              </a:rPr>
+              <a:t>em</a:t>
+            </a:r>
+            <a:r>
+              <a:rPr lang="es-ES" i="1" dirty="0" smtClean="0">
+                <a:solidFill>
+                  <a:prstClr val="black"/>
+                </a:solidFill>
+              </a:rPr>
+              <a:t> -&gt; x3d</a:t>
+            </a:r>
+          </a:p>
+          <a:p>
+            <a:pPr marL="285750" indent="-285750">
+              <a:buFont typeface="Arial" panose="020B0604020202020204" pitchFamily="34" charset="0"/>
+              <a:buChar char="•"/>
+            </a:pPr>
+            <a:r>
+              <a:rPr lang="es-ES" dirty="0" smtClean="0">
+                <a:solidFill>
+                  <a:prstClr val="black"/>
+                </a:solidFill>
+              </a:rPr>
+              <a:t>Crear objeto en </a:t>
+            </a:r>
+            <a:r>
+              <a:rPr lang="es-ES" dirty="0" err="1" smtClean="0">
+                <a:solidFill>
+                  <a:prstClr val="black"/>
+                </a:solidFill>
+              </a:rPr>
+              <a:t>Blender</a:t>
+            </a:r>
+            <a:endParaRPr lang="es-ES" dirty="0" smtClean="0">
+              <a:solidFill>
+                <a:prstClr val="black"/>
+              </a:solidFill>
+            </a:endParaRPr>
+          </a:p>
+          <a:p>
+            <a:pPr marL="285750" indent="-285750">
+              <a:buFont typeface="Arial" panose="020B0604020202020204" pitchFamily="34" charset="0"/>
+              <a:buChar char="•"/>
+            </a:pPr>
+            <a:r>
+              <a:rPr lang="es-ES" dirty="0" err="1" smtClean="0">
+                <a:solidFill>
+                  <a:prstClr val="black"/>
+                </a:solidFill>
+              </a:rPr>
+              <a:t>Gps</a:t>
+            </a:r>
+            <a:r>
+              <a:rPr lang="es-ES" dirty="0" smtClean="0">
+                <a:solidFill>
+                  <a:prstClr val="black"/>
+                </a:solidFill>
+              </a:rPr>
+              <a:t> -&gt; </a:t>
+            </a:r>
+            <a:r>
+              <a:rPr lang="es-ES" i="1" dirty="0" err="1" smtClean="0">
+                <a:solidFill>
+                  <a:prstClr val="black"/>
+                </a:solidFill>
+              </a:rPr>
+              <a:t>kml</a:t>
+            </a:r>
+            <a:endParaRPr lang="es-ES" dirty="0" smtClean="0">
+              <a:solidFill>
+                <a:prstClr val="black"/>
+              </a:solidFill>
+            </a:endParaRPr>
+          </a:p>
+          <a:p>
+            <a:pPr marL="285750" indent="-285750">
+              <a:buFont typeface="Arial" panose="020B0604020202020204" pitchFamily="34" charset="0"/>
+              <a:buChar char="•"/>
+            </a:pPr>
+            <a:r>
+              <a:rPr lang="es-ES" dirty="0" smtClean="0">
+                <a:solidFill>
+                  <a:prstClr val="black"/>
+                </a:solidFill>
+              </a:rPr>
+              <a:t>Generar textura con Google </a:t>
+            </a:r>
+            <a:r>
+              <a:rPr lang="es-ES" dirty="0" err="1" smtClean="0">
+                <a:solidFill>
+                  <a:prstClr val="black"/>
+                </a:solidFill>
+              </a:rPr>
+              <a:t>Earth</a:t>
+            </a:r>
+            <a:endParaRPr lang="es-ES" dirty="0" smtClean="0">
+              <a:solidFill>
+                <a:prstClr val="black"/>
+              </a:solidFill>
+            </a:endParaRPr>
+          </a:p>
+          <a:p>
+            <a:pPr marL="285750" indent="-285750">
+              <a:buFont typeface="Arial" panose="020B0604020202020204" pitchFamily="34" charset="0"/>
+              <a:buChar char="•"/>
+            </a:pPr>
+            <a:r>
+              <a:rPr lang="es-ES" dirty="0" smtClean="0">
+                <a:solidFill>
+                  <a:prstClr val="black"/>
+                </a:solidFill>
+              </a:rPr>
+              <a:t>Añadir textura al objeto</a:t>
+            </a:r>
+          </a:p>
+          <a:p>
+            <a:pPr marL="285750" indent="-285750">
+              <a:buFont typeface="Arial" panose="020B0604020202020204" pitchFamily="34" charset="0"/>
+              <a:buChar char="•"/>
+            </a:pPr>
+            <a:r>
+              <a:rPr lang="es-ES" dirty="0" smtClean="0">
+                <a:solidFill>
+                  <a:prstClr val="black"/>
+                </a:solidFill>
+              </a:rPr>
+              <a:t>Añadir grosor con </a:t>
+            </a:r>
+            <a:r>
+              <a:rPr lang="es-ES" dirty="0" err="1" smtClean="0">
+                <a:solidFill>
+                  <a:prstClr val="black"/>
+                </a:solidFill>
+              </a:rPr>
+              <a:t>Blender</a:t>
+            </a:r>
+            <a:endParaRPr lang="es-ES" dirty="0" smtClean="0">
+              <a:solidFill>
+                <a:prstClr val="black"/>
+              </a:solidFill>
+            </a:endParaRPr>
+          </a:p>
+          <a:p>
+            <a:pPr marL="285750" indent="-285750">
+              <a:buFont typeface="Arial" panose="020B0604020202020204" pitchFamily="34" charset="0"/>
+              <a:buChar char="•"/>
+            </a:pPr>
+            <a:r>
+              <a:rPr lang="es-ES" dirty="0" smtClean="0">
+                <a:solidFill>
+                  <a:prstClr val="black"/>
+                </a:solidFill>
+              </a:rPr>
+              <a:t>Imprimir modelo</a:t>
+            </a:r>
+            <a:endParaRPr lang="es-ES" dirty="0">
+              <a:solidFill>
+                <a:prstClr val="black"/>
+              </a:solidFill>
+            </a:endParaRPr>
+          </a:p>
+        </p:txBody>
+      </p:sp>
+      <p:sp>
+        <p:nvSpPr>
+          <p:cNvPr id="8" name="Flecha derecha 7"/>
+          <p:cNvSpPr/>
+          <p:nvPr/>
+        </p:nvSpPr>
+        <p:spPr>
+          <a:xfrm>
+            <a:off x="3995936" y="2924944"/>
+            <a:ext cx="648072" cy="360040"/>
+          </a:xfrm>
+          <a:prstGeom prst="rightArrow">
+            <a:avLst/>
+          </a:prstGeom>
+        </p:spPr>
+        <p:style>
+          <a:lnRef idx="1">
+            <a:schemeClr val="accent6"/>
+          </a:lnRef>
+          <a:fillRef idx="2">
+            <a:schemeClr val="accent6"/>
+          </a:fillRef>
+          <a:effectRef idx="1">
+            <a:schemeClr val="accent6"/>
+          </a:effectRef>
+          <a:fontRef idx="minor">
+            <a:schemeClr val="dk1"/>
+          </a:fontRef>
+        </p:style>
+        <p:txBody>
+          <a:bodyPr rtlCol="0" anchor="ctr"/>
+          <a:lstStyle/>
+          <a:p>
+            <a:pPr algn="ctr"/>
+            <a:endParaRPr lang="es-ES"/>
+          </a:p>
+        </p:txBody>
+      </p:sp>
+      <p:sp>
+        <p:nvSpPr>
+          <p:cNvPr id="9" name="CuadroTexto 8"/>
+          <p:cNvSpPr txBox="1"/>
+          <p:nvPr/>
+        </p:nvSpPr>
+        <p:spPr>
+          <a:xfrm>
+            <a:off x="5436096" y="1430302"/>
+            <a:ext cx="3096344" cy="2862322"/>
+          </a:xfrm>
+          <a:prstGeom prst="rect">
+            <a:avLst/>
+          </a:prstGeom>
+          <a:noFill/>
+        </p:spPr>
+        <p:txBody>
+          <a:bodyPr wrap="square" rtlCol="0">
+            <a:spAutoFit/>
+          </a:bodyPr>
+          <a:lstStyle/>
+          <a:p>
+            <a:r>
+              <a:rPr lang="es-ES" dirty="0" smtClean="0"/>
+              <a:t>Proyecto</a:t>
+            </a:r>
+          </a:p>
+          <a:p>
+            <a:pPr marL="285750" indent="-285750">
+              <a:buFont typeface="Arial" panose="020B0604020202020204" pitchFamily="34" charset="0"/>
+              <a:buChar char="•"/>
+            </a:pPr>
+            <a:r>
+              <a:rPr lang="es-ES" dirty="0" smtClean="0"/>
+              <a:t>Con la ruta obtener los datos de </a:t>
+            </a:r>
+            <a:r>
+              <a:rPr lang="es-ES" smtClean="0"/>
+              <a:t>las elevaciones con </a:t>
+            </a:r>
+            <a:r>
+              <a:rPr lang="es-ES" i="1" dirty="0" smtClean="0"/>
+              <a:t>Cesium</a:t>
+            </a:r>
+            <a:endParaRPr lang="es-ES" dirty="0" smtClean="0"/>
+          </a:p>
+          <a:p>
+            <a:pPr marL="285750" indent="-285750">
+              <a:buFont typeface="Arial" panose="020B0604020202020204" pitchFamily="34" charset="0"/>
+              <a:buChar char="•"/>
+            </a:pPr>
+            <a:r>
+              <a:rPr lang="es-ES" dirty="0" smtClean="0"/>
+              <a:t>Obtener la textura tridimensional con </a:t>
+            </a:r>
+            <a:r>
+              <a:rPr lang="es-ES" i="1" dirty="0" smtClean="0"/>
+              <a:t>Mapbox</a:t>
+            </a:r>
+          </a:p>
+          <a:p>
+            <a:pPr marL="285750" indent="-285750">
+              <a:buFont typeface="Arial" panose="020B0604020202020204" pitchFamily="34" charset="0"/>
+              <a:buChar char="•"/>
+            </a:pPr>
+            <a:r>
+              <a:rPr lang="es-ES" dirty="0" smtClean="0"/>
+              <a:t>Crear objeto 3D con </a:t>
+            </a:r>
+            <a:r>
+              <a:rPr lang="es-ES" i="1" dirty="0" smtClean="0"/>
+              <a:t>threejs</a:t>
+            </a:r>
+            <a:endParaRPr lang="es-ES" dirty="0" smtClean="0"/>
+          </a:p>
+          <a:p>
+            <a:pPr marL="285750" indent="-285750">
+              <a:buFont typeface="Arial" panose="020B0604020202020204" pitchFamily="34" charset="0"/>
+              <a:buChar char="•"/>
+            </a:pPr>
+            <a:r>
+              <a:rPr lang="es-ES" dirty="0" smtClean="0"/>
+              <a:t>Unir objeto y textura enviando a </a:t>
+            </a:r>
+            <a:r>
+              <a:rPr lang="es-ES" i="1" dirty="0" smtClean="0"/>
+              <a:t>Shapeways </a:t>
+            </a:r>
+            <a:r>
+              <a:rPr lang="es-ES" dirty="0" smtClean="0"/>
+              <a:t>para su creación física.</a:t>
+            </a:r>
           </a:p>
         </p:txBody>
       </p:sp>
     </p:spTree>
+    <p:extLst>
+      <p:ext uri="{BB962C8B-B14F-4D97-AF65-F5344CB8AC3E}">
+        <p14:creationId xmlns:p14="http://schemas.microsoft.com/office/powerpoint/2010/main" val="923141009"/>
+      </p:ext>
+    </p:extLst>
   </p:cSld>
   <p:clrMapOvr>
     <a:masterClrMapping/>
   </p:clrMapOvr>
+  <p:timing>
+    <p:tnLst>
+      <p:par>
+        <p:cTn id="1" dur="indefinite" restart="never" nodeType="tmRoot"/>
+      </p:par>
+    </p:tnLst>
+  </p:timing>
 </p:sld>
 </file>
 
@@ -3886,8 +5212,16 @@
           <a:lstStyle/>
           <a:p>
             <a:r>
+              <a:rPr lang="es-CL" dirty="0" err="1" smtClean="0"/>
+              <a:t>Three</a:t>
+            </a:r>
+            <a:r>
               <a:rPr lang="es-CL" dirty="0" smtClean="0"/>
-              <a:t>Generador de terreno</a:t>
+              <a:t> </a:t>
+            </a:r>
+            <a:r>
+              <a:rPr lang="es-CL" dirty="0" err="1" smtClean="0"/>
+              <a:t>js</a:t>
             </a:r>
             <a:endParaRPr lang="es-CL" dirty="0"/>
           </a:p>
@@ -3917,6 +5251,13 @@
   <p:clrMapOvr>
     <a:masterClrMapping/>
   </p:clrMapOvr>
+  <p:timing>
+    <p:tnLst>
+      <p:par>
+        <p:cTn id="1" dur="indefinite" restart="never" nodeType="tmRoot"/>
+      </p:par>
+    </p:tnLst>
+  </p:timing>
 </p:sld>
 </file>
 
@@ -3954,7 +5295,7 @@
           <a:p>
             <a:r>
               <a:rPr lang="es-CL" dirty="0" err="1" smtClean="0"/>
-              <a:t>shapwways</a:t>
+              <a:t>mapbox</a:t>
             </a:r>
             <a:endParaRPr lang="es-CL" dirty="0"/>
           </a:p>
